--- a/PowerPoint Lectures/Area Between Curves.pptx
+++ b/PowerPoint Lectures/Area Between Curves.pptx
@@ -126,7 +126,7 @@
 <file path=ppt/revisionInfo.xml><?xml version="1.0" encoding="utf-8"?>
 <p1510:revInfo xmlns:a="http://schemas.openxmlformats.org/drawingml/2006/main" xmlns:r="http://schemas.openxmlformats.org/officeDocument/2006/relationships" xmlns:p1510="http://schemas.microsoft.com/office/powerpoint/2015/10/main">
   <p1510:revLst>
-    <p1510:client id="{287609E9-3BB9-4D58-B6AF-477A07BC73AB}" v="381" dt="2026-01-21T03:27:01.726"/>
+    <p1510:client id="{287609E9-3BB9-4D58-B6AF-477A07BC73AB}" v="391" dt="2026-01-22T02:25:01.645"/>
   </p1510:revLst>
 </p1510:revInfo>
 </file>
@@ -136,7 +136,7 @@
   <pc:docChgLst>
     <pc:chgData name="Jacob Wyngaard" userId="6181fcd471e98458" providerId="LiveId" clId="{788BA123-62C9-4DDC-86E5-A6BCA4600216}"/>
     <pc:docChg chg="undo custSel addSld delSld modSld">
-      <pc:chgData name="Jacob Wyngaard" userId="6181fcd471e98458" providerId="LiveId" clId="{788BA123-62C9-4DDC-86E5-A6BCA4600216}" dt="2026-01-21T03:27:50.709" v="1241" actId="47"/>
+      <pc:chgData name="Jacob Wyngaard" userId="6181fcd471e98458" providerId="LiveId" clId="{788BA123-62C9-4DDC-86E5-A6BCA4600216}" dt="2026-01-22T02:25:01.645" v="1260" actId="20577"/>
       <pc:docMkLst>
         <pc:docMk/>
       </pc:docMkLst>
@@ -194,11 +194,19 @@
         </pc:sldMkLst>
       </pc:sldChg>
       <pc:sldChg chg="addSp delSp modSp add mod">
-        <pc:chgData name="Jacob Wyngaard" userId="6181fcd471e98458" providerId="LiveId" clId="{788BA123-62C9-4DDC-86E5-A6BCA4600216}" dt="2026-01-21T03:01:19.623" v="242" actId="1076"/>
+        <pc:chgData name="Jacob Wyngaard" userId="6181fcd471e98458" providerId="LiveId" clId="{788BA123-62C9-4DDC-86E5-A6BCA4600216}" dt="2026-01-22T02:25:01.645" v="1260" actId="20577"/>
         <pc:sldMkLst>
           <pc:docMk/>
           <pc:sldMk cId="94943546" sldId="283"/>
         </pc:sldMkLst>
+        <pc:spChg chg="add mod">
+          <ac:chgData name="Jacob Wyngaard" userId="6181fcd471e98458" providerId="LiveId" clId="{788BA123-62C9-4DDC-86E5-A6BCA4600216}" dt="2026-01-22T02:24:53.930" v="1257" actId="20577"/>
+          <ac:spMkLst>
+            <pc:docMk/>
+            <pc:sldMk cId="94943546" sldId="283"/>
+            <ac:spMk id="2" creationId="{1A38E563-1E66-D947-94F3-D5A4F4C8E6A2}"/>
+          </ac:spMkLst>
+        </pc:spChg>
         <pc:spChg chg="mod">
           <ac:chgData name="Jacob Wyngaard" userId="6181fcd471e98458" providerId="LiveId" clId="{788BA123-62C9-4DDC-86E5-A6BCA4600216}" dt="2026-01-21T02:57:05.157" v="118" actId="20577"/>
           <ac:spMkLst>
@@ -207,12 +215,36 @@
             <ac:spMk id="3" creationId="{C04B7A0F-8996-1BFF-A48C-FCCFDB2B68AC}"/>
           </ac:spMkLst>
         </pc:spChg>
+        <pc:spChg chg="add mod">
+          <ac:chgData name="Jacob Wyngaard" userId="6181fcd471e98458" providerId="LiveId" clId="{788BA123-62C9-4DDC-86E5-A6BCA4600216}" dt="2026-01-22T02:24:59.858" v="1259" actId="20577"/>
+          <ac:spMkLst>
+            <pc:docMk/>
+            <pc:sldMk cId="94943546" sldId="283"/>
+            <ac:spMk id="4" creationId="{F1748F28-0E0C-954A-1B53-4432CAF08C13}"/>
+          </ac:spMkLst>
+        </pc:spChg>
+        <pc:spChg chg="add mod">
+          <ac:chgData name="Jacob Wyngaard" userId="6181fcd471e98458" providerId="LiveId" clId="{788BA123-62C9-4DDC-86E5-A6BCA4600216}" dt="2026-01-22T02:24:56.132" v="1258" actId="20577"/>
+          <ac:spMkLst>
+            <pc:docMk/>
+            <pc:sldMk cId="94943546" sldId="283"/>
+            <ac:spMk id="5" creationId="{A92EB2A0-9035-6545-FD40-B1EC5B687733}"/>
+          </ac:spMkLst>
+        </pc:spChg>
         <pc:spChg chg="del">
           <ac:chgData name="Jacob Wyngaard" userId="6181fcd471e98458" providerId="LiveId" clId="{788BA123-62C9-4DDC-86E5-A6BCA4600216}" dt="2026-01-21T02:55:37.887" v="97" actId="478"/>
           <ac:spMkLst>
             <pc:docMk/>
             <pc:sldMk cId="94943546" sldId="283"/>
             <ac:spMk id="5" creationId="{E070BC69-3A54-1777-129E-4E3896FB08AD}"/>
+          </ac:spMkLst>
+        </pc:spChg>
+        <pc:spChg chg="add mod">
+          <ac:chgData name="Jacob Wyngaard" userId="6181fcd471e98458" providerId="LiveId" clId="{788BA123-62C9-4DDC-86E5-A6BCA4600216}" dt="2026-01-22T02:25:01.645" v="1260" actId="20577"/>
+          <ac:spMkLst>
+            <pc:docMk/>
+            <pc:sldMk cId="94943546" sldId="283"/>
+            <ac:spMk id="7" creationId="{9B1FC311-0CFA-7105-47A2-3ABC70EC7407}"/>
           </ac:spMkLst>
         </pc:spChg>
         <pc:spChg chg="add mod">
@@ -899,7 +931,7 @@
           <a:p>
             <a:fld id="{351EB116-73EE-4936-876D-CA6054346043}" type="datetimeFigureOut">
               <a:rPr lang="en-US" smtClean="0"/>
-              <a:t>1/20/2026</a:t>
+              <a:t>1/21/2026</a:t>
             </a:fld>
             <a:endParaRPr lang="en-US"/>
           </a:p>
@@ -2177,7 +2209,7 @@
           <a:p>
             <a:fld id="{4E9DFCA7-2E84-49E5-A4F2-77D92A699F3D}" type="datetimeFigureOut">
               <a:rPr lang="en-US" smtClean="0"/>
-              <a:t>1/20/2026</a:t>
+              <a:t>1/21/2026</a:t>
             </a:fld>
             <a:endParaRPr lang="en-US"/>
           </a:p>
@@ -2375,7 +2407,7 @@
           <a:p>
             <a:fld id="{4E9DFCA7-2E84-49E5-A4F2-77D92A699F3D}" type="datetimeFigureOut">
               <a:rPr lang="en-US" smtClean="0"/>
-              <a:t>1/20/2026</a:t>
+              <a:t>1/21/2026</a:t>
             </a:fld>
             <a:endParaRPr lang="en-US"/>
           </a:p>
@@ -2583,7 +2615,7 @@
           <a:p>
             <a:fld id="{4E9DFCA7-2E84-49E5-A4F2-77D92A699F3D}" type="datetimeFigureOut">
               <a:rPr lang="en-US" smtClean="0"/>
-              <a:t>1/20/2026</a:t>
+              <a:t>1/21/2026</a:t>
             </a:fld>
             <a:endParaRPr lang="en-US"/>
           </a:p>
@@ -2781,7 +2813,7 @@
           <a:p>
             <a:fld id="{4E9DFCA7-2E84-49E5-A4F2-77D92A699F3D}" type="datetimeFigureOut">
               <a:rPr lang="en-US" smtClean="0"/>
-              <a:t>1/20/2026</a:t>
+              <a:t>1/21/2026</a:t>
             </a:fld>
             <a:endParaRPr lang="en-US"/>
           </a:p>
@@ -3056,7 +3088,7 @@
           <a:p>
             <a:fld id="{4E9DFCA7-2E84-49E5-A4F2-77D92A699F3D}" type="datetimeFigureOut">
               <a:rPr lang="en-US" smtClean="0"/>
-              <a:t>1/20/2026</a:t>
+              <a:t>1/21/2026</a:t>
             </a:fld>
             <a:endParaRPr lang="en-US"/>
           </a:p>
@@ -3321,7 +3353,7 @@
           <a:p>
             <a:fld id="{4E9DFCA7-2E84-49E5-A4F2-77D92A699F3D}" type="datetimeFigureOut">
               <a:rPr lang="en-US" smtClean="0"/>
-              <a:t>1/20/2026</a:t>
+              <a:t>1/21/2026</a:t>
             </a:fld>
             <a:endParaRPr lang="en-US"/>
           </a:p>
@@ -3733,7 +3765,7 @@
           <a:p>
             <a:fld id="{4E9DFCA7-2E84-49E5-A4F2-77D92A699F3D}" type="datetimeFigureOut">
               <a:rPr lang="en-US" smtClean="0"/>
-              <a:t>1/20/2026</a:t>
+              <a:t>1/21/2026</a:t>
             </a:fld>
             <a:endParaRPr lang="en-US"/>
           </a:p>
@@ -3874,7 +3906,7 @@
           <a:p>
             <a:fld id="{4E9DFCA7-2E84-49E5-A4F2-77D92A699F3D}" type="datetimeFigureOut">
               <a:rPr lang="en-US" smtClean="0"/>
-              <a:t>1/20/2026</a:t>
+              <a:t>1/21/2026</a:t>
             </a:fld>
             <a:endParaRPr lang="en-US"/>
           </a:p>
@@ -3987,7 +4019,7 @@
           <a:p>
             <a:fld id="{4E9DFCA7-2E84-49E5-A4F2-77D92A699F3D}" type="datetimeFigureOut">
               <a:rPr lang="en-US" smtClean="0"/>
-              <a:t>1/20/2026</a:t>
+              <a:t>1/21/2026</a:t>
             </a:fld>
             <a:endParaRPr lang="en-US"/>
           </a:p>
@@ -4298,7 +4330,7 @@
           <a:p>
             <a:fld id="{4E9DFCA7-2E84-49E5-A4F2-77D92A699F3D}" type="datetimeFigureOut">
               <a:rPr lang="en-US" smtClean="0"/>
-              <a:t>1/20/2026</a:t>
+              <a:t>1/21/2026</a:t>
             </a:fld>
             <a:endParaRPr lang="en-US"/>
           </a:p>
@@ -4586,7 +4618,7 @@
           <a:p>
             <a:fld id="{4E9DFCA7-2E84-49E5-A4F2-77D92A699F3D}" type="datetimeFigureOut">
               <a:rPr lang="en-US" smtClean="0"/>
-              <a:t>1/20/2026</a:t>
+              <a:t>1/21/2026</a:t>
             </a:fld>
             <a:endParaRPr lang="en-US"/>
           </a:p>
@@ -4827,7 +4859,7 @@
           <a:p>
             <a:fld id="{4E9DFCA7-2E84-49E5-A4F2-77D92A699F3D}" type="datetimeFigureOut">
               <a:rPr lang="en-US" smtClean="0"/>
-              <a:t>1/20/2026</a:t>
+              <a:t>1/21/2026</a:t>
             </a:fld>
             <a:endParaRPr lang="en-US"/>
           </a:p>
@@ -5887,8 +5919,8 @@
           </a:prstGeom>
         </p:spPr>
       </p:pic>
-      <mc:AlternateContent xmlns:mc="http://schemas.openxmlformats.org/markup-compatibility/2006">
-        <mc:Choice xmlns:a14="http://schemas.microsoft.com/office/drawing/2010/main" Requires="a14">
+      <mc:AlternateContent xmlns:mc="http://schemas.openxmlformats.org/markup-compatibility/2006" xmlns:a14="http://schemas.microsoft.com/office/drawing/2010/main">
+        <mc:Choice Requires="a14">
           <p:sp>
             <p:nvSpPr>
               <p:cNvPr id="13" name="TextBox 12">
@@ -5958,7 +5990,7 @@
             </p:txBody>
           </p:sp>
         </mc:Choice>
-        <mc:Fallback>
+        <mc:Fallback xmlns="">
           <p:sp>
             <p:nvSpPr>
               <p:cNvPr id="13" name="TextBox 12">
@@ -6003,8 +6035,8 @@
           </p:sp>
         </mc:Fallback>
       </mc:AlternateContent>
-      <mc:AlternateContent xmlns:mc="http://schemas.openxmlformats.org/markup-compatibility/2006">
-        <mc:Choice xmlns:a14="http://schemas.microsoft.com/office/drawing/2010/main" Requires="a14">
+      <mc:AlternateContent xmlns:mc="http://schemas.openxmlformats.org/markup-compatibility/2006" xmlns:a14="http://schemas.microsoft.com/office/drawing/2010/main">
+        <mc:Choice Requires="a14">
           <p:sp>
             <p:nvSpPr>
               <p:cNvPr id="14" name="TextBox 13">
@@ -6033,7 +6065,6 @@
               </a:bodyPr>
               <a:lstStyle/>
               <a:p>
-                <a:pPr/>
                 <a:r>
                   <a:rPr lang="en-US" sz="3200" dirty="0"/>
                   <a:t>Area = </a:t>
@@ -6106,7 +6137,7 @@
             </p:txBody>
           </p:sp>
         </mc:Choice>
-        <mc:Fallback>
+        <mc:Fallback xmlns="">
           <p:sp>
             <p:nvSpPr>
               <p:cNvPr id="14" name="TextBox 13">
@@ -6151,8 +6182,8 @@
           </p:sp>
         </mc:Fallback>
       </mc:AlternateContent>
-      <mc:AlternateContent xmlns:mc="http://schemas.openxmlformats.org/markup-compatibility/2006">
-        <mc:Choice xmlns:a14="http://schemas.microsoft.com/office/drawing/2010/main" Requires="a14">
+      <mc:AlternateContent xmlns:mc="http://schemas.openxmlformats.org/markup-compatibility/2006" xmlns:a14="http://schemas.microsoft.com/office/drawing/2010/main">
+        <mc:Choice Requires="a14">
           <p:sp>
             <p:nvSpPr>
               <p:cNvPr id="15" name="TextBox 14">
@@ -6181,7 +6212,6 @@
               </a:bodyPr>
               <a:lstStyle/>
               <a:p>
-                <a:pPr/>
                 <a:r>
                   <a:rPr lang="en-US" sz="3200" dirty="0"/>
                   <a:t>Area </a:t>
@@ -6295,7 +6325,7 @@
             </p:txBody>
           </p:sp>
         </mc:Choice>
-        <mc:Fallback>
+        <mc:Fallback xmlns="">
           <p:sp>
             <p:nvSpPr>
               <p:cNvPr id="15" name="TextBox 14">
@@ -6322,6 +6352,398 @@
                 <a:blip r:embed="rId7"/>
                 <a:stretch>
                   <a:fillRect l="-4025" t="-12245" b="-31633"/>
+                </a:stretch>
+              </a:blipFill>
+            </p:spPr>
+            <p:txBody>
+              <a:bodyPr/>
+              <a:lstStyle/>
+              <a:p>
+                <a:r>
+                  <a:rPr lang="en-US">
+                    <a:noFill/>
+                  </a:rPr>
+                  <a:t> </a:t>
+                </a:r>
+              </a:p>
+            </p:txBody>
+          </p:sp>
+        </mc:Fallback>
+      </mc:AlternateContent>
+      <mc:AlternateContent xmlns:mc="http://schemas.openxmlformats.org/markup-compatibility/2006">
+        <mc:Choice xmlns:a14="http://schemas.microsoft.com/office/drawing/2010/main" Requires="a14">
+          <p:sp>
+            <p:nvSpPr>
+              <p:cNvPr id="2" name="TextBox 1">
+                <a:extLst>
+                  <a:ext uri="{FF2B5EF4-FFF2-40B4-BE49-F238E27FC236}">
+                    <a16:creationId xmlns:a16="http://schemas.microsoft.com/office/drawing/2014/main" id="{1A38E563-1E66-D947-94F3-D5A4F4C8E6A2}"/>
+                  </a:ext>
+                </a:extLst>
+              </p:cNvPr>
+              <p:cNvSpPr txBox="1"/>
+              <p:nvPr/>
+            </p:nvSpPr>
+            <p:spPr>
+              <a:xfrm>
+                <a:off x="1269882" y="2854958"/>
+                <a:ext cx="376038" cy="523220"/>
+              </a:xfrm>
+              <a:prstGeom prst="rect">
+                <a:avLst/>
+              </a:prstGeom>
+              <a:solidFill>
+                <a:schemeClr val="bg1"/>
+              </a:solidFill>
+            </p:spPr>
+            <p:txBody>
+              <a:bodyPr wrap="square">
+                <a:spAutoFit/>
+              </a:bodyPr>
+              <a:lstStyle/>
+              <a:p>
+                <a:pPr/>
+                <a14:m>
+                  <m:oMathPara xmlns:m="http://schemas.openxmlformats.org/officeDocument/2006/math">
+                    <m:oMathParaPr>
+                      <m:jc m:val="centerGroup"/>
+                    </m:oMathParaPr>
+                    <m:oMath xmlns:m="http://schemas.openxmlformats.org/officeDocument/2006/math">
+                      <m:r>
+                        <a:rPr lang="en-US" sz="2800" b="0" i="1" smtClean="0">
+                          <a:latin typeface="Cambria Math" panose="02040503050406030204" pitchFamily="18" charset="0"/>
+                        </a:rPr>
+                        <m:t>𝑦</m:t>
+                      </m:r>
+                    </m:oMath>
+                  </m:oMathPara>
+                </a14:m>
+                <a:endParaRPr lang="en-US" sz="2800" dirty="0"/>
+              </a:p>
+            </p:txBody>
+          </p:sp>
+        </mc:Choice>
+        <mc:Fallback>
+          <p:sp>
+            <p:nvSpPr>
+              <p:cNvPr id="2" name="TextBox 1">
+                <a:extLst>
+                  <a:ext uri="{FF2B5EF4-FFF2-40B4-BE49-F238E27FC236}">
+                    <a16:creationId xmlns:a16="http://schemas.microsoft.com/office/drawing/2014/main" id="{1A38E563-1E66-D947-94F3-D5A4F4C8E6A2}"/>
+                  </a:ext>
+                </a:extLst>
+              </p:cNvPr>
+              <p:cNvSpPr txBox="1">
+                <a:spLocks noRot="1" noChangeAspect="1" noMove="1" noResize="1" noEditPoints="1" noAdjustHandles="1" noChangeArrowheads="1" noChangeShapeType="1" noTextEdit="1"/>
+              </p:cNvSpPr>
+              <p:nvPr/>
+            </p:nvSpPr>
+            <p:spPr>
+              <a:xfrm>
+                <a:off x="1269882" y="2854958"/>
+                <a:ext cx="376038" cy="523220"/>
+              </a:xfrm>
+              <a:prstGeom prst="rect">
+                <a:avLst/>
+              </a:prstGeom>
+              <a:blipFill>
+                <a:blip r:embed="rId8"/>
+                <a:stretch>
+                  <a:fillRect/>
+                </a:stretch>
+              </a:blipFill>
+            </p:spPr>
+            <p:txBody>
+              <a:bodyPr/>
+              <a:lstStyle/>
+              <a:p>
+                <a:r>
+                  <a:rPr lang="en-US">
+                    <a:noFill/>
+                  </a:rPr>
+                  <a:t> </a:t>
+                </a:r>
+              </a:p>
+            </p:txBody>
+          </p:sp>
+        </mc:Fallback>
+      </mc:AlternateContent>
+      <mc:AlternateContent xmlns:mc="http://schemas.openxmlformats.org/markup-compatibility/2006">
+        <mc:Choice xmlns:a14="http://schemas.microsoft.com/office/drawing/2010/main" Requires="a14">
+          <p:sp>
+            <p:nvSpPr>
+              <p:cNvPr id="4" name="TextBox 3">
+                <a:extLst>
+                  <a:ext uri="{FF2B5EF4-FFF2-40B4-BE49-F238E27FC236}">
+                    <a16:creationId xmlns:a16="http://schemas.microsoft.com/office/drawing/2014/main" id="{F1748F28-0E0C-954A-1B53-4432CAF08C13}"/>
+                  </a:ext>
+                </a:extLst>
+              </p:cNvPr>
+              <p:cNvSpPr txBox="1"/>
+              <p:nvPr/>
+            </p:nvSpPr>
+            <p:spPr>
+              <a:xfrm>
+                <a:off x="7068473" y="2854958"/>
+                <a:ext cx="376038" cy="523220"/>
+              </a:xfrm>
+              <a:prstGeom prst="rect">
+                <a:avLst/>
+              </a:prstGeom>
+              <a:solidFill>
+                <a:schemeClr val="bg1"/>
+              </a:solidFill>
+            </p:spPr>
+            <p:txBody>
+              <a:bodyPr wrap="square">
+                <a:spAutoFit/>
+              </a:bodyPr>
+              <a:lstStyle/>
+              <a:p>
+                <a:pPr/>
+                <a14:m>
+                  <m:oMathPara xmlns:m="http://schemas.openxmlformats.org/officeDocument/2006/math">
+                    <m:oMathParaPr>
+                      <m:jc m:val="centerGroup"/>
+                    </m:oMathParaPr>
+                    <m:oMath xmlns:m="http://schemas.openxmlformats.org/officeDocument/2006/math">
+                      <m:r>
+                        <a:rPr lang="en-US" sz="2800" b="0" i="1" smtClean="0">
+                          <a:latin typeface="Cambria Math" panose="02040503050406030204" pitchFamily="18" charset="0"/>
+                        </a:rPr>
+                        <m:t>𝑦</m:t>
+                      </m:r>
+                    </m:oMath>
+                  </m:oMathPara>
+                </a14:m>
+                <a:endParaRPr lang="en-US" sz="2800" dirty="0"/>
+              </a:p>
+            </p:txBody>
+          </p:sp>
+        </mc:Choice>
+        <mc:Fallback>
+          <p:sp>
+            <p:nvSpPr>
+              <p:cNvPr id="4" name="TextBox 3">
+                <a:extLst>
+                  <a:ext uri="{FF2B5EF4-FFF2-40B4-BE49-F238E27FC236}">
+                    <a16:creationId xmlns:a16="http://schemas.microsoft.com/office/drawing/2014/main" id="{F1748F28-0E0C-954A-1B53-4432CAF08C13}"/>
+                  </a:ext>
+                </a:extLst>
+              </p:cNvPr>
+              <p:cNvSpPr txBox="1">
+                <a:spLocks noRot="1" noChangeAspect="1" noMove="1" noResize="1" noEditPoints="1" noAdjustHandles="1" noChangeArrowheads="1" noChangeShapeType="1" noTextEdit="1"/>
+              </p:cNvSpPr>
+              <p:nvPr/>
+            </p:nvSpPr>
+            <p:spPr>
+              <a:xfrm>
+                <a:off x="7068473" y="2854958"/>
+                <a:ext cx="376038" cy="523220"/>
+              </a:xfrm>
+              <a:prstGeom prst="rect">
+                <a:avLst/>
+              </a:prstGeom>
+              <a:blipFill>
+                <a:blip r:embed="rId9"/>
+                <a:stretch>
+                  <a:fillRect/>
+                </a:stretch>
+              </a:blipFill>
+            </p:spPr>
+            <p:txBody>
+              <a:bodyPr/>
+              <a:lstStyle/>
+              <a:p>
+                <a:r>
+                  <a:rPr lang="en-US">
+                    <a:noFill/>
+                  </a:rPr>
+                  <a:t> </a:t>
+                </a:r>
+              </a:p>
+            </p:txBody>
+          </p:sp>
+        </mc:Fallback>
+      </mc:AlternateContent>
+      <mc:AlternateContent xmlns:mc="http://schemas.openxmlformats.org/markup-compatibility/2006">
+        <mc:Choice xmlns:a14="http://schemas.microsoft.com/office/drawing/2010/main" Requires="a14">
+          <p:sp>
+            <p:nvSpPr>
+              <p:cNvPr id="5" name="TextBox 4">
+                <a:extLst>
+                  <a:ext uri="{FF2B5EF4-FFF2-40B4-BE49-F238E27FC236}">
+                    <a16:creationId xmlns:a16="http://schemas.microsoft.com/office/drawing/2014/main" id="{A92EB2A0-9035-6545-FD40-B1EC5B687733}"/>
+                  </a:ext>
+                </a:extLst>
+              </p:cNvPr>
+              <p:cNvSpPr txBox="1"/>
+              <p:nvPr/>
+            </p:nvSpPr>
+            <p:spPr>
+              <a:xfrm>
+                <a:off x="4232855" y="5507785"/>
+                <a:ext cx="376038" cy="523220"/>
+              </a:xfrm>
+              <a:prstGeom prst="rect">
+                <a:avLst/>
+              </a:prstGeom>
+              <a:solidFill>
+                <a:schemeClr val="bg1"/>
+              </a:solidFill>
+            </p:spPr>
+            <p:txBody>
+              <a:bodyPr wrap="square">
+                <a:spAutoFit/>
+              </a:bodyPr>
+              <a:lstStyle/>
+              <a:p>
+                <a:pPr/>
+                <a14:m>
+                  <m:oMathPara xmlns:m="http://schemas.openxmlformats.org/officeDocument/2006/math">
+                    <m:oMathParaPr>
+                      <m:jc m:val="centerGroup"/>
+                    </m:oMathParaPr>
+                    <m:oMath xmlns:m="http://schemas.openxmlformats.org/officeDocument/2006/math">
+                      <m:r>
+                        <a:rPr lang="en-US" sz="2800" b="0" i="1" smtClean="0">
+                          <a:latin typeface="Cambria Math" panose="02040503050406030204" pitchFamily="18" charset="0"/>
+                        </a:rPr>
+                        <m:t>𝑥</m:t>
+                      </m:r>
+                    </m:oMath>
+                  </m:oMathPara>
+                </a14:m>
+                <a:endParaRPr lang="en-US" sz="2800" dirty="0"/>
+              </a:p>
+            </p:txBody>
+          </p:sp>
+        </mc:Choice>
+        <mc:Fallback>
+          <p:sp>
+            <p:nvSpPr>
+              <p:cNvPr id="5" name="TextBox 4">
+                <a:extLst>
+                  <a:ext uri="{FF2B5EF4-FFF2-40B4-BE49-F238E27FC236}">
+                    <a16:creationId xmlns:a16="http://schemas.microsoft.com/office/drawing/2014/main" id="{A92EB2A0-9035-6545-FD40-B1EC5B687733}"/>
+                  </a:ext>
+                </a:extLst>
+              </p:cNvPr>
+              <p:cNvSpPr txBox="1">
+                <a:spLocks noRot="1" noChangeAspect="1" noMove="1" noResize="1" noEditPoints="1" noAdjustHandles="1" noChangeArrowheads="1" noChangeShapeType="1" noTextEdit="1"/>
+              </p:cNvSpPr>
+              <p:nvPr/>
+            </p:nvSpPr>
+            <p:spPr>
+              <a:xfrm>
+                <a:off x="4232855" y="5507785"/>
+                <a:ext cx="376038" cy="523220"/>
+              </a:xfrm>
+              <a:prstGeom prst="rect">
+                <a:avLst/>
+              </a:prstGeom>
+              <a:blipFill>
+                <a:blip r:embed="rId10"/>
+                <a:stretch>
+                  <a:fillRect/>
+                </a:stretch>
+              </a:blipFill>
+            </p:spPr>
+            <p:txBody>
+              <a:bodyPr/>
+              <a:lstStyle/>
+              <a:p>
+                <a:r>
+                  <a:rPr lang="en-US">
+                    <a:noFill/>
+                  </a:rPr>
+                  <a:t> </a:t>
+                </a:r>
+              </a:p>
+            </p:txBody>
+          </p:sp>
+        </mc:Fallback>
+      </mc:AlternateContent>
+      <mc:AlternateContent xmlns:mc="http://schemas.openxmlformats.org/markup-compatibility/2006">
+        <mc:Choice xmlns:a14="http://schemas.microsoft.com/office/drawing/2010/main" Requires="a14">
+          <p:sp>
+            <p:nvSpPr>
+              <p:cNvPr id="7" name="TextBox 6">
+                <a:extLst>
+                  <a:ext uri="{FF2B5EF4-FFF2-40B4-BE49-F238E27FC236}">
+                    <a16:creationId xmlns:a16="http://schemas.microsoft.com/office/drawing/2014/main" id="{9B1FC311-0CFA-7105-47A2-3ABC70EC7407}"/>
+                  </a:ext>
+                </a:extLst>
+              </p:cNvPr>
+              <p:cNvSpPr txBox="1"/>
+              <p:nvPr/>
+            </p:nvSpPr>
+            <p:spPr>
+              <a:xfrm>
+                <a:off x="10065819" y="5507785"/>
+                <a:ext cx="376038" cy="523220"/>
+              </a:xfrm>
+              <a:prstGeom prst="rect">
+                <a:avLst/>
+              </a:prstGeom>
+              <a:solidFill>
+                <a:schemeClr val="bg1"/>
+              </a:solidFill>
+            </p:spPr>
+            <p:txBody>
+              <a:bodyPr wrap="square">
+                <a:spAutoFit/>
+              </a:bodyPr>
+              <a:lstStyle/>
+              <a:p>
+                <a:pPr/>
+                <a14:m>
+                  <m:oMathPara xmlns:m="http://schemas.openxmlformats.org/officeDocument/2006/math">
+                    <m:oMathParaPr>
+                      <m:jc m:val="centerGroup"/>
+                    </m:oMathParaPr>
+                    <m:oMath xmlns:m="http://schemas.openxmlformats.org/officeDocument/2006/math">
+                      <m:r>
+                        <a:rPr lang="en-US" sz="2800" b="0" i="1" smtClean="0">
+                          <a:latin typeface="Cambria Math" panose="02040503050406030204" pitchFamily="18" charset="0"/>
+                        </a:rPr>
+                        <m:t>𝑥</m:t>
+                      </m:r>
+                    </m:oMath>
+                  </m:oMathPara>
+                </a14:m>
+                <a:endParaRPr lang="en-US" sz="2800" dirty="0"/>
+              </a:p>
+            </p:txBody>
+          </p:sp>
+        </mc:Choice>
+        <mc:Fallback>
+          <p:sp>
+            <p:nvSpPr>
+              <p:cNvPr id="7" name="TextBox 6">
+                <a:extLst>
+                  <a:ext uri="{FF2B5EF4-FFF2-40B4-BE49-F238E27FC236}">
+                    <a16:creationId xmlns:a16="http://schemas.microsoft.com/office/drawing/2014/main" id="{9B1FC311-0CFA-7105-47A2-3ABC70EC7407}"/>
+                  </a:ext>
+                </a:extLst>
+              </p:cNvPr>
+              <p:cNvSpPr txBox="1">
+                <a:spLocks noRot="1" noChangeAspect="1" noMove="1" noResize="1" noEditPoints="1" noAdjustHandles="1" noChangeArrowheads="1" noChangeShapeType="1" noTextEdit="1"/>
+              </p:cNvSpPr>
+              <p:nvPr/>
+            </p:nvSpPr>
+            <p:spPr>
+              <a:xfrm>
+                <a:off x="10065819" y="5507785"/>
+                <a:ext cx="376038" cy="523220"/>
+              </a:xfrm>
+              <a:prstGeom prst="rect">
+                <a:avLst/>
+              </a:prstGeom>
+              <a:blipFill>
+                <a:blip r:embed="rId11"/>
+                <a:stretch>
+                  <a:fillRect/>
                 </a:stretch>
               </a:blipFill>
             </p:spPr>
@@ -6792,8 +7214,8 @@
           </a:prstGeom>
         </p:spPr>
       </p:pic>
-      <mc:AlternateContent xmlns:mc="http://schemas.openxmlformats.org/markup-compatibility/2006">
-        <mc:Choice xmlns:a14="http://schemas.microsoft.com/office/drawing/2010/main" Requires="a14">
+      <mc:AlternateContent xmlns:mc="http://schemas.openxmlformats.org/markup-compatibility/2006" xmlns:a14="http://schemas.microsoft.com/office/drawing/2010/main">
+        <mc:Choice Requires="a14">
           <p:sp>
             <p:nvSpPr>
               <p:cNvPr id="4" name="TextBox 3">
@@ -6822,7 +7244,6 @@
               </a:bodyPr>
               <a:lstStyle/>
               <a:p>
-                <a:pPr/>
                 <a:r>
                   <a:rPr lang="en-US" sz="2800" dirty="0"/>
                   <a:t>Function on top: </a:t>
@@ -6858,7 +7279,6 @@
                 <a:endParaRPr lang="en-US" sz="2800" dirty="0"/>
               </a:p>
               <a:p>
-                <a:pPr/>
                 <a:endParaRPr lang="en-US" sz="2800" dirty="0"/>
               </a:p>
               <a:p>
@@ -6900,13 +7320,12 @@
                 </a:r>
               </a:p>
               <a:p>
-                <a:pPr/>
                 <a:endParaRPr lang="en-US" sz="2800" dirty="0"/>
               </a:p>
             </p:txBody>
           </p:sp>
         </mc:Choice>
-        <mc:Fallback>
+        <mc:Fallback xmlns="">
           <p:sp>
             <p:nvSpPr>
               <p:cNvPr id="4" name="TextBox 3">
@@ -6951,8 +7370,8 @@
           </p:sp>
         </mc:Fallback>
       </mc:AlternateContent>
-      <mc:AlternateContent xmlns:mc="http://schemas.openxmlformats.org/markup-compatibility/2006">
-        <mc:Choice xmlns:a14="http://schemas.microsoft.com/office/drawing/2010/main" Requires="a14">
+      <mc:AlternateContent xmlns:mc="http://schemas.openxmlformats.org/markup-compatibility/2006" xmlns:a14="http://schemas.microsoft.com/office/drawing/2010/main">
+        <mc:Choice Requires="a14">
           <p:sp>
             <p:nvSpPr>
               <p:cNvPr id="5" name="TextBox 4">
@@ -6981,7 +7400,6 @@
               </a:bodyPr>
               <a:lstStyle/>
               <a:p>
-                <a:pPr/>
                 <a:r>
                   <a:rPr lang="en-US" sz="2800" dirty="0"/>
                   <a:t>Area = </a:t>
@@ -7090,7 +7508,7 @@
             </p:txBody>
           </p:sp>
         </mc:Choice>
-        <mc:Fallback>
+        <mc:Fallback xmlns="">
           <p:sp>
             <p:nvSpPr>
               <p:cNvPr id="5" name="TextBox 4">
@@ -7587,8 +8005,8 @@
           </a:prstGeom>
         </p:spPr>
       </p:pic>
-      <mc:AlternateContent xmlns:mc="http://schemas.openxmlformats.org/markup-compatibility/2006">
-        <mc:Choice xmlns:a14="http://schemas.microsoft.com/office/drawing/2010/main" Requires="a14">
+      <mc:AlternateContent xmlns:mc="http://schemas.openxmlformats.org/markup-compatibility/2006" xmlns:a14="http://schemas.microsoft.com/office/drawing/2010/main">
+        <mc:Choice Requires="a14">
           <p:sp>
             <p:nvSpPr>
               <p:cNvPr id="3" name="TextBox 2">
@@ -7617,7 +8035,6 @@
               </a:bodyPr>
               <a:lstStyle/>
               <a:p>
-                <a:pPr/>
                 <a:r>
                   <a:rPr lang="en-US" sz="2800" dirty="0"/>
                   <a:t>Area = </a:t>
@@ -7731,7 +8148,7 @@
             </p:txBody>
           </p:sp>
         </mc:Choice>
-        <mc:Fallback>
+        <mc:Fallback xmlns="">
           <p:sp>
             <p:nvSpPr>
               <p:cNvPr id="3" name="TextBox 2">
@@ -7812,8 +8229,8 @@
           </a:p>
         </p:txBody>
       </p:sp>
-      <mc:AlternateContent xmlns:mc="http://schemas.openxmlformats.org/markup-compatibility/2006">
-        <mc:Choice xmlns:a14="http://schemas.microsoft.com/office/drawing/2010/main" Requires="a14">
+      <mc:AlternateContent xmlns:mc="http://schemas.openxmlformats.org/markup-compatibility/2006" xmlns:a14="http://schemas.microsoft.com/office/drawing/2010/main">
+        <mc:Choice Requires="a14">
           <p:sp>
             <p:nvSpPr>
               <p:cNvPr id="5" name="TextBox 4">
@@ -7970,7 +8387,7 @@
             </p:txBody>
           </p:sp>
         </mc:Choice>
-        <mc:Fallback>
+        <mc:Fallback xmlns="">
           <p:sp>
             <p:nvSpPr>
               <p:cNvPr id="5" name="TextBox 4">
@@ -8223,8 +8640,8 @@
           </a:prstGeom>
         </p:spPr>
       </p:pic>
-      <mc:AlternateContent xmlns:mc="http://schemas.openxmlformats.org/markup-compatibility/2006">
-        <mc:Choice xmlns:a14="http://schemas.microsoft.com/office/drawing/2010/main" Requires="a14">
+      <mc:AlternateContent xmlns:mc="http://schemas.openxmlformats.org/markup-compatibility/2006" xmlns:a14="http://schemas.microsoft.com/office/drawing/2010/main">
+        <mc:Choice Requires="a14">
           <p:sp>
             <p:nvSpPr>
               <p:cNvPr id="4" name="TextBox 3">
@@ -8370,7 +8787,7 @@
             </p:txBody>
           </p:sp>
         </mc:Choice>
-        <mc:Fallback>
+        <mc:Fallback xmlns="">
           <p:sp>
             <p:nvSpPr>
               <p:cNvPr id="4" name="TextBox 3">
@@ -8415,8 +8832,8 @@
           </p:sp>
         </mc:Fallback>
       </mc:AlternateContent>
-      <mc:AlternateContent xmlns:mc="http://schemas.openxmlformats.org/markup-compatibility/2006">
-        <mc:Choice xmlns:a14="http://schemas.microsoft.com/office/drawing/2010/main" Requires="a14">
+      <mc:AlternateContent xmlns:mc="http://schemas.openxmlformats.org/markup-compatibility/2006" xmlns:a14="http://schemas.microsoft.com/office/drawing/2010/main">
+        <mc:Choice Requires="a14">
           <p:sp>
             <p:nvSpPr>
               <p:cNvPr id="7" name="TextBox 6">
@@ -8541,7 +8958,7 @@
             </p:txBody>
           </p:sp>
         </mc:Choice>
-        <mc:Fallback>
+        <mc:Fallback xmlns="">
           <p:sp>
             <p:nvSpPr>
               <p:cNvPr id="7" name="TextBox 6">
@@ -8586,8 +9003,8 @@
           </p:sp>
         </mc:Fallback>
       </mc:AlternateContent>
-      <mc:AlternateContent xmlns:mc="http://schemas.openxmlformats.org/markup-compatibility/2006">
-        <mc:Choice xmlns:a14="http://schemas.microsoft.com/office/drawing/2010/main" Requires="a14">
+      <mc:AlternateContent xmlns:mc="http://schemas.openxmlformats.org/markup-compatibility/2006" xmlns:a14="http://schemas.microsoft.com/office/drawing/2010/main">
+        <mc:Choice Requires="a14">
           <p:sp>
             <p:nvSpPr>
               <p:cNvPr id="10" name="TextBox 9">
@@ -8616,7 +9033,6 @@
               </a:bodyPr>
               <a:lstStyle/>
               <a:p>
-                <a:pPr/>
                 <a:r>
                   <a:rPr lang="en-US" sz="2800" dirty="0"/>
                   <a:t>Area = </a:t>
@@ -8730,7 +9146,7 @@
             </p:txBody>
           </p:sp>
         </mc:Choice>
-        <mc:Fallback>
+        <mc:Fallback xmlns="">
           <p:sp>
             <p:nvSpPr>
               <p:cNvPr id="10" name="TextBox 9">
@@ -8775,8 +9191,8 @@
           </p:sp>
         </mc:Fallback>
       </mc:AlternateContent>
-      <mc:AlternateContent xmlns:mc="http://schemas.openxmlformats.org/markup-compatibility/2006">
-        <mc:Choice xmlns:a14="http://schemas.microsoft.com/office/drawing/2010/main" Requires="a14">
+      <mc:AlternateContent xmlns:mc="http://schemas.openxmlformats.org/markup-compatibility/2006" xmlns:a14="http://schemas.microsoft.com/office/drawing/2010/main">
+        <mc:Choice Requires="a14">
           <p:sp>
             <p:nvSpPr>
               <p:cNvPr id="11" name="TextBox 10">
@@ -8805,7 +9221,6 @@
               </a:bodyPr>
               <a:lstStyle/>
               <a:p>
-                <a:pPr/>
                 <a:r>
                   <a:rPr lang="en-US" sz="2800" dirty="0"/>
                   <a:t>Area = </a:t>
@@ -8835,7 +9250,13 @@
                             <a:rPr lang="en-US" sz="2200" b="0" i="1" smtClean="0">
                               <a:latin typeface="Cambria Math" panose="02040503050406030204" pitchFamily="18" charset="0"/>
                             </a:rPr>
-                            <m:t>−2</m:t>
+                            <m:t>−</m:t>
+                          </m:r>
+                          <m:r>
+                            <a:rPr lang="en-US" sz="2200" b="0" i="1" smtClean="0">
+                              <a:latin typeface="Cambria Math" panose="02040503050406030204" pitchFamily="18" charset="0"/>
+                            </a:rPr>
+                            <m:t>2</m:t>
                           </m:r>
                         </m:sub>
                         <m:sup>
@@ -8984,25 +9405,7 @@
                                     <a:rPr lang="en-US" sz="2200" i="1">
                                       <a:latin typeface="Cambria Math" panose="02040503050406030204" pitchFamily="18" charset="0"/>
                                     </a:rPr>
-                                    <m:t>+</m:t>
-                                  </m:r>
-                                  <m:r>
-                                    <a:rPr lang="en-US" sz="2200" i="1">
-                                      <a:latin typeface="Cambria Math" panose="02040503050406030204" pitchFamily="18" charset="0"/>
-                                    </a:rPr>
-                                    <m:t>16</m:t>
-                                  </m:r>
-                                  <m:r>
-                                    <a:rPr lang="en-US" sz="2200" i="1">
-                                      <a:latin typeface="Cambria Math" panose="02040503050406030204" pitchFamily="18" charset="0"/>
-                                    </a:rPr>
-                                    <m:t>−</m:t>
-                                  </m:r>
-                                  <m:r>
-                                    <a:rPr lang="en-US" sz="2200" i="1">
-                                      <a:latin typeface="Cambria Math" panose="02040503050406030204" pitchFamily="18" charset="0"/>
-                                    </a:rPr>
-                                    <m:t>2</m:t>
+                                    <m:t>+16−2</m:t>
                                   </m:r>
                                   <m:sSup>
                                     <m:sSupPr>
@@ -9033,13 +9436,7 @@
                                     <a:rPr lang="en-US" sz="2200" i="1">
                                       <a:latin typeface="Cambria Math" panose="02040503050406030204" pitchFamily="18" charset="0"/>
                                     </a:rPr>
-                                    <m:t>−</m:t>
-                                  </m:r>
-                                  <m:r>
-                                    <a:rPr lang="en-US" sz="2200" i="1">
-                                      <a:latin typeface="Cambria Math" panose="02040503050406030204" pitchFamily="18" charset="0"/>
-                                    </a:rPr>
-                                    <m:t>10</m:t>
+                                    <m:t>−10</m:t>
                                   </m:r>
                                 </m:e>
                               </m:d>
@@ -9126,13 +9523,7 @@
                                     <a:rPr lang="en-US" sz="2200" i="1">
                                       <a:latin typeface="Cambria Math" panose="02040503050406030204" pitchFamily="18" charset="0"/>
                                     </a:rPr>
-                                    <m:t>+10</m:t>
-                                  </m:r>
-                                  <m:r>
-                                    <a:rPr lang="en-US" sz="2200" i="1">
-                                      <a:latin typeface="Cambria Math" panose="02040503050406030204" pitchFamily="18" charset="0"/>
-                                    </a:rPr>
-                                    <m:t>−4</m:t>
+                                    <m:t>+10−4</m:t>
                                   </m:r>
                                   <m:r>
                                     <a:rPr lang="en-US" sz="2200" i="1">
@@ -9166,7 +9557,7 @@
             </p:txBody>
           </p:sp>
         </mc:Choice>
-        <mc:Fallback>
+        <mc:Fallback xmlns="">
           <p:sp>
             <p:nvSpPr>
               <p:cNvPr id="11" name="TextBox 10">
@@ -9350,8 +9741,8 @@
           </a:p>
         </p:txBody>
       </p:sp>
-      <mc:AlternateContent xmlns:mc="http://schemas.openxmlformats.org/markup-compatibility/2006">
-        <mc:Choice xmlns:a14="http://schemas.microsoft.com/office/drawing/2010/main" Requires="a14">
+      <mc:AlternateContent xmlns:mc="http://schemas.openxmlformats.org/markup-compatibility/2006" xmlns:a14="http://schemas.microsoft.com/office/drawing/2010/main">
+        <mc:Choice Requires="a14">
           <p:sp>
             <p:nvSpPr>
               <p:cNvPr id="9" name="TextBox 8">
@@ -9422,7 +9813,7 @@
             </p:txBody>
           </p:sp>
         </mc:Choice>
-        <mc:Fallback>
+        <mc:Fallback xmlns="">
           <p:sp>
             <p:nvSpPr>
               <p:cNvPr id="9" name="TextBox 8">
@@ -9672,8 +10063,8 @@
           </a:p>
         </p:txBody>
       </p:sp>
-      <mc:AlternateContent xmlns:mc="http://schemas.openxmlformats.org/markup-compatibility/2006">
-        <mc:Choice xmlns:a14="http://schemas.microsoft.com/office/drawing/2010/main" Requires="a14">
+      <mc:AlternateContent xmlns:mc="http://schemas.openxmlformats.org/markup-compatibility/2006" xmlns:a14="http://schemas.microsoft.com/office/drawing/2010/main">
+        <mc:Choice Requires="a14">
           <p:sp>
             <p:nvSpPr>
               <p:cNvPr id="9" name="TextBox 8">
@@ -9744,7 +10135,7 @@
             </p:txBody>
           </p:sp>
         </mc:Choice>
-        <mc:Fallback>
+        <mc:Fallback xmlns="">
           <p:sp>
             <p:nvSpPr>
               <p:cNvPr id="9" name="TextBox 8">
@@ -9855,8 +10246,8 @@
           </a:p>
         </p:txBody>
       </p:sp>
-      <mc:AlternateContent xmlns:mc="http://schemas.openxmlformats.org/markup-compatibility/2006">
-        <mc:Choice xmlns:a14="http://schemas.microsoft.com/office/drawing/2010/main" Requires="a14">
+      <mc:AlternateContent xmlns:mc="http://schemas.openxmlformats.org/markup-compatibility/2006" xmlns:a14="http://schemas.microsoft.com/office/drawing/2010/main">
+        <mc:Choice Requires="a14">
           <p:sp>
             <p:nvSpPr>
               <p:cNvPr id="3" name="TextBox 2">
@@ -9923,7 +10314,6 @@
                 <a:endParaRPr lang="en-US" sz="2800" dirty="0"/>
               </a:p>
               <a:p>
-                <a:pPr/>
                 <a:r>
                   <a:rPr lang="en-US" sz="2800" dirty="0"/>
                   <a:t>Function on left: </a:t>
@@ -10015,13 +10405,12 @@
                 </a:r>
               </a:p>
               <a:p>
-                <a:pPr/>
                 <a:endParaRPr lang="en-US" sz="2800" dirty="0"/>
               </a:p>
             </p:txBody>
           </p:sp>
         </mc:Choice>
-        <mc:Fallback>
+        <mc:Fallback xmlns="">
           <p:sp>
             <p:nvSpPr>
               <p:cNvPr id="3" name="TextBox 2">
@@ -10066,8 +10455,8 @@
           </p:sp>
         </mc:Fallback>
       </mc:AlternateContent>
-      <mc:AlternateContent xmlns:mc="http://schemas.openxmlformats.org/markup-compatibility/2006">
-        <mc:Choice xmlns:a14="http://schemas.microsoft.com/office/drawing/2010/main" Requires="a14">
+      <mc:AlternateContent xmlns:mc="http://schemas.openxmlformats.org/markup-compatibility/2006" xmlns:a14="http://schemas.microsoft.com/office/drawing/2010/main">
+        <mc:Choice Requires="a14">
           <p:sp>
             <p:nvSpPr>
               <p:cNvPr id="4" name="TextBox 3">
@@ -10096,7 +10485,6 @@
               </a:bodyPr>
               <a:lstStyle/>
               <a:p>
-                <a:pPr/>
                 <a:r>
                   <a:rPr lang="en-US" sz="2800" dirty="0"/>
                   <a:t>Area = </a:t>
@@ -10119,7 +10507,13 @@
                           <a:rPr lang="en-US" sz="2800" b="0" i="1" smtClean="0">
                             <a:latin typeface="Cambria Math" panose="02040503050406030204" pitchFamily="18" charset="0"/>
                           </a:rPr>
-                          <m:t>−2</m:t>
+                          <m:t>−</m:t>
+                        </m:r>
+                        <m:r>
+                          <a:rPr lang="en-US" sz="2800" b="0" i="1" smtClean="0">
+                            <a:latin typeface="Cambria Math" panose="02040503050406030204" pitchFamily="18" charset="0"/>
+                          </a:rPr>
+                          <m:t>2</m:t>
                         </m:r>
                       </m:sub>
                       <m:sup>
@@ -10230,7 +10624,7 @@
             </p:txBody>
           </p:sp>
         </mc:Choice>
-        <mc:Fallback>
+        <mc:Fallback xmlns="">
           <p:sp>
             <p:nvSpPr>
               <p:cNvPr id="4" name="TextBox 3">
@@ -10275,8 +10669,8 @@
           </p:sp>
         </mc:Fallback>
       </mc:AlternateContent>
-      <mc:AlternateContent xmlns:mc="http://schemas.openxmlformats.org/markup-compatibility/2006">
-        <mc:Choice xmlns:a14="http://schemas.microsoft.com/office/drawing/2010/main" Requires="a14">
+      <mc:AlternateContent xmlns:mc="http://schemas.openxmlformats.org/markup-compatibility/2006" xmlns:a14="http://schemas.microsoft.com/office/drawing/2010/main">
+        <mc:Choice Requires="a14">
           <p:sp>
             <p:nvSpPr>
               <p:cNvPr id="10" name="TextBox 9">
@@ -10327,7 +10721,7 @@
             </p:txBody>
           </p:sp>
         </mc:Choice>
-        <mc:Fallback>
+        <mc:Fallback xmlns="">
           <p:sp>
             <p:nvSpPr>
               <p:cNvPr id="10" name="TextBox 9">
